--- a/ppt/T1A3.pptx
+++ b/ppt/T1A3.pptx
@@ -16,6 +16,19 @@
     <p:sldId id="262" r:id="rId10"/>
     <p:sldId id="260" r:id="rId11"/>
     <p:sldId id="265" r:id="rId12"/>
+    <p:sldId id="267" r:id="rId13"/>
+    <p:sldId id="268" r:id="rId14"/>
+    <p:sldId id="269" r:id="rId15"/>
+    <p:sldId id="270" r:id="rId16"/>
+    <p:sldId id="271" r:id="rId17"/>
+    <p:sldId id="272" r:id="rId18"/>
+    <p:sldId id="273" r:id="rId19"/>
+    <p:sldId id="274" r:id="rId20"/>
+    <p:sldId id="275" r:id="rId21"/>
+    <p:sldId id="276" r:id="rId22"/>
+    <p:sldId id="279" r:id="rId23"/>
+    <p:sldId id="278" r:id="rId24"/>
+    <p:sldId id="277" r:id="rId25"/>
   </p:sldIdLst>
   <p:sldSz cx="12192000" cy="6858000"/>
   <p:notesSz cx="6858000" cy="9144000"/>
@@ -309,7 +322,7 @@
             <a:pPr algn="l"/>
             <a:fld id="{0DCFB061-4267-4D9F-8017-6F550D3068DF}" type="datetime1">
               <a:rPr lang="en-US" smtClean="0"/>
-              <a:t>5/28/2021</a:t>
+              <a:t>5/29/2021</a:t>
             </a:fld>
             <a:endParaRPr lang="en-US" dirty="0"/>
           </a:p>
@@ -591,7 +604,7 @@
           <a:p>
             <a:fld id="{4AF8082C-0922-4249-A612-B415F5231620}" type="datetime1">
               <a:rPr lang="en-US" smtClean="0"/>
-              <a:t>5/28/2021</a:t>
+              <a:t>5/29/2021</a:t>
             </a:fld>
             <a:endParaRPr lang="en-US" dirty="0"/>
           </a:p>
@@ -787,7 +800,7 @@
           <a:p>
             <a:fld id="{4AF8082C-0922-4249-A612-B415F5231620}" type="datetime1">
               <a:rPr lang="en-US" smtClean="0"/>
-              <a:t>5/28/2021</a:t>
+              <a:t>5/29/2021</a:t>
             </a:fld>
             <a:endParaRPr lang="en-US" dirty="0"/>
           </a:p>
@@ -1062,7 +1075,7 @@
           <a:p>
             <a:fld id="{4AF8082C-0922-4249-A612-B415F5231620}" type="datetime1">
               <a:rPr lang="en-US" smtClean="0"/>
-              <a:t>5/28/2021</a:t>
+              <a:t>5/29/2021</a:t>
             </a:fld>
             <a:endParaRPr lang="en-US" dirty="0"/>
           </a:p>
@@ -1405,7 +1418,7 @@
           <a:p>
             <a:fld id="{4AF8082C-0922-4249-A612-B415F5231620}" type="datetime1">
               <a:rPr lang="en-US" smtClean="0"/>
-              <a:t>5/28/2021</a:t>
+              <a:t>5/29/2021</a:t>
             </a:fld>
             <a:endParaRPr lang="en-US" dirty="0"/>
           </a:p>
@@ -2030,7 +2043,7 @@
           <a:p>
             <a:fld id="{4AF8082C-0922-4249-A612-B415F5231620}" type="datetime1">
               <a:rPr lang="en-US" smtClean="0"/>
-              <a:t>5/28/2021</a:t>
+              <a:t>5/29/2021</a:t>
             </a:fld>
             <a:endParaRPr lang="en-US" dirty="0"/>
           </a:p>
@@ -2892,7 +2905,7 @@
           <a:p>
             <a:fld id="{4AF8082C-0922-4249-A612-B415F5231620}" type="datetime1">
               <a:rPr lang="en-US" smtClean="0"/>
-              <a:t>5/28/2021</a:t>
+              <a:t>5/29/2021</a:t>
             </a:fld>
             <a:endParaRPr lang="en-US" dirty="0"/>
           </a:p>
@@ -3064,7 +3077,7 @@
           <a:p>
             <a:fld id="{8141BC61-5547-4A60-8DA1-6699760D9972}" type="datetime1">
               <a:rPr lang="en-US" smtClean="0"/>
-              <a:t>5/28/2021</a:t>
+              <a:t>5/29/2021</a:t>
             </a:fld>
             <a:endParaRPr lang="en-US" dirty="0"/>
           </a:p>
@@ -3244,7 +3257,7 @@
           <a:p>
             <a:fld id="{24B9D1C6-60D0-4CD1-8F31-F912522EB041}" type="datetime1">
               <a:rPr lang="en-US" smtClean="0"/>
-              <a:t>5/28/2021</a:t>
+              <a:t>5/29/2021</a:t>
             </a:fld>
             <a:endParaRPr lang="en-US" dirty="0"/>
           </a:p>
@@ -3415,7 +3428,7 @@
           <a:p>
             <a:fld id="{47A4ED5C-5A53-433E-8A55-46F54CE81DA5}" type="datetime1">
               <a:rPr lang="en-US" smtClean="0"/>
-              <a:t>5/28/2021</a:t>
+              <a:t>5/29/2021</a:t>
             </a:fld>
             <a:endParaRPr lang="en-US" dirty="0"/>
           </a:p>
@@ -3662,7 +3675,7 @@
           <a:p>
             <a:fld id="{29CABC0C-B6DF-45E9-B954-11C99AA62C3E}" type="datetime1">
               <a:rPr lang="en-US" smtClean="0"/>
-              <a:t>5/28/2021</a:t>
+              <a:t>5/29/2021</a:t>
             </a:fld>
             <a:endParaRPr lang="en-US" dirty="0"/>
           </a:p>
@@ -3955,7 +3968,7 @@
           <a:p>
             <a:fld id="{A4AB71B9-2624-4F21-93EE-35A78B1A0DAD}" type="datetime1">
               <a:rPr lang="en-US" smtClean="0"/>
-              <a:t>5/28/2021</a:t>
+              <a:t>5/29/2021</a:t>
             </a:fld>
             <a:endParaRPr lang="en-US" dirty="0"/>
           </a:p>
@@ -4399,7 +4412,7 @@
           <a:p>
             <a:fld id="{36D37C2A-BE2E-4840-A907-3254E2916C96}" type="datetime1">
               <a:rPr lang="en-US" smtClean="0"/>
-              <a:t>5/28/2021</a:t>
+              <a:t>5/29/2021</a:t>
             </a:fld>
             <a:endParaRPr lang="en-US" dirty="0"/>
           </a:p>
@@ -4517,7 +4530,7 @@
           <a:p>
             <a:fld id="{005CD215-1C45-48A0-8534-39FFE8A7C95A}" type="datetime1">
               <a:rPr lang="en-US" smtClean="0"/>
-              <a:t>5/28/2021</a:t>
+              <a:t>5/29/2021</a:t>
             </a:fld>
             <a:endParaRPr lang="en-US" dirty="0"/>
           </a:p>
@@ -4612,7 +4625,7 @@
           <a:p>
             <a:fld id="{D3363A0F-DEF3-4134-98D0-2E1276938A8B}" type="datetime1">
               <a:rPr lang="en-US" smtClean="0"/>
-              <a:t>5/28/2021</a:t>
+              <a:t>5/29/2021</a:t>
             </a:fld>
             <a:endParaRPr lang="en-US" dirty="0"/>
           </a:p>
@@ -4897,7 +4910,7 @@
           <a:p>
             <a:fld id="{61A2E4C8-2960-4ADD-862C-4D9643CB15AC}" type="datetime1">
               <a:rPr lang="en-US" smtClean="0"/>
-              <a:t>5/28/2021</a:t>
+              <a:t>5/29/2021</a:t>
             </a:fld>
             <a:endParaRPr lang="en-US" dirty="0"/>
           </a:p>
@@ -5178,7 +5191,7 @@
           <a:p>
             <a:fld id="{48BDEA15-09CD-4275-A8E0-385C965F48B0}" type="datetime1">
               <a:rPr lang="en-US" smtClean="0"/>
-              <a:t>5/28/2021</a:t>
+              <a:t>5/29/2021</a:t>
             </a:fld>
             <a:endParaRPr lang="en-US" dirty="0"/>
           </a:p>
@@ -5608,7 +5621,7 @@
           <a:p>
             <a:fld id="{4AF8082C-0922-4249-A612-B415F5231620}" type="datetime1">
               <a:rPr lang="en-US" smtClean="0"/>
-              <a:t>5/28/2021</a:t>
+              <a:t>5/29/2021</a:t>
             </a:fld>
             <a:endParaRPr lang="en-US" dirty="0"/>
           </a:p>
@@ -6148,7 +6161,7 @@
           <p:cNvPr id="4" name="Picture 3">
             <a:extLst>
               <a:ext uri="{FF2B5EF4-FFF2-40B4-BE49-F238E27FC236}">
-                <a16:creationId xmlns:a16="http://schemas.microsoft.com/office/drawing/2014/main" id="{D51BFD60-3AFF-474C-A6F5-D1401DDED50A}"/>
+                <a16:creationId xmlns:a16="http://schemas.microsoft.com/office/drawing/2014/main" xmlns="" id="{D51BFD60-3AFF-474C-A6F5-D1401DDED50A}"/>
               </a:ext>
             </a:extLst>
           </p:cNvPr>
@@ -6184,7 +6197,7 @@
           <p:cNvPr id="5" name="Title 1">
             <a:extLst>
               <a:ext uri="{FF2B5EF4-FFF2-40B4-BE49-F238E27FC236}">
-                <a16:creationId xmlns:a16="http://schemas.microsoft.com/office/drawing/2014/main" id="{83FF07B3-D46A-4041-9105-4CE8D63147C1}"/>
+                <a16:creationId xmlns:a16="http://schemas.microsoft.com/office/drawing/2014/main" xmlns="" id="{83FF07B3-D46A-4041-9105-4CE8D63147C1}"/>
               </a:ext>
             </a:extLst>
           </p:cNvPr>
@@ -6220,7 +6233,7 @@
           <p:cNvPr id="7" name="TextBox 6">
             <a:extLst>
               <a:ext uri="{FF2B5EF4-FFF2-40B4-BE49-F238E27FC236}">
-                <a16:creationId xmlns:a16="http://schemas.microsoft.com/office/drawing/2014/main" id="{0CC971E5-5D6D-4012-A4C4-AD3012C0BCC2}"/>
+                <a16:creationId xmlns:a16="http://schemas.microsoft.com/office/drawing/2014/main" xmlns="" id="{0CC971E5-5D6D-4012-A4C4-AD3012C0BCC2}"/>
               </a:ext>
             </a:extLst>
           </p:cNvPr>
@@ -6309,7 +6322,7 @@
           <p:cNvPr id="2" name="Title 1">
             <a:extLst>
               <a:ext uri="{FF2B5EF4-FFF2-40B4-BE49-F238E27FC236}">
-                <a16:creationId xmlns:a16="http://schemas.microsoft.com/office/drawing/2014/main" id="{0F0C3246-4761-43FB-B263-B6A3389AB9DE}"/>
+                <a16:creationId xmlns:a16="http://schemas.microsoft.com/office/drawing/2014/main" xmlns="" id="{0F0C3246-4761-43FB-B263-B6A3389AB9DE}"/>
               </a:ext>
             </a:extLst>
           </p:cNvPr>
@@ -6344,7 +6357,7 @@
           <p:cNvPr id="5" name="TextBox 4">
             <a:extLst>
               <a:ext uri="{FF2B5EF4-FFF2-40B4-BE49-F238E27FC236}">
-                <a16:creationId xmlns:a16="http://schemas.microsoft.com/office/drawing/2014/main" id="{FA1B3D69-DAFA-4DAD-A1CE-4F584F392A20}"/>
+                <a16:creationId xmlns:a16="http://schemas.microsoft.com/office/drawing/2014/main" xmlns="" id="{FA1B3D69-DAFA-4DAD-A1CE-4F584F392A20}"/>
               </a:ext>
             </a:extLst>
           </p:cNvPr>
@@ -6379,7 +6392,7 @@
           <p:cNvPr id="8" name="TextBox 7">
             <a:extLst>
               <a:ext uri="{FF2B5EF4-FFF2-40B4-BE49-F238E27FC236}">
-                <a16:creationId xmlns:a16="http://schemas.microsoft.com/office/drawing/2014/main" id="{7B9181D5-8F8D-46EB-A5E5-2BFACED22111}"/>
+                <a16:creationId xmlns:a16="http://schemas.microsoft.com/office/drawing/2014/main" xmlns="" id="{7B9181D5-8F8D-46EB-A5E5-2BFACED22111}"/>
               </a:ext>
             </a:extLst>
           </p:cNvPr>
@@ -6428,7 +6441,7 @@
           <p:cNvPr id="15" name="TextBox 14">
             <a:extLst>
               <a:ext uri="{FF2B5EF4-FFF2-40B4-BE49-F238E27FC236}">
-                <a16:creationId xmlns:a16="http://schemas.microsoft.com/office/drawing/2014/main" id="{0D19191D-70A9-4624-A98E-F6BD19EC093D}"/>
+                <a16:creationId xmlns:a16="http://schemas.microsoft.com/office/drawing/2014/main" xmlns="" id="{0D19191D-70A9-4624-A98E-F6BD19EC093D}"/>
               </a:ext>
             </a:extLst>
           </p:cNvPr>
@@ -6488,7 +6501,7 @@
           <p:cNvPr id="7" name="Picture 6">
             <a:extLst>
               <a:ext uri="{FF2B5EF4-FFF2-40B4-BE49-F238E27FC236}">
-                <a16:creationId xmlns:a16="http://schemas.microsoft.com/office/drawing/2014/main" id="{9085C57C-A596-4433-89F9-23DEE4C1B7C7}"/>
+                <a16:creationId xmlns:a16="http://schemas.microsoft.com/office/drawing/2014/main" xmlns="" id="{9085C57C-A596-4433-89F9-23DEE4C1B7C7}"/>
               </a:ext>
             </a:extLst>
           </p:cNvPr>
@@ -6548,7 +6561,7 @@
           <p:cNvPr id="3" name="Rectangle 2">
             <a:extLst>
               <a:ext uri="{FF2B5EF4-FFF2-40B4-BE49-F238E27FC236}">
-                <a16:creationId xmlns:a16="http://schemas.microsoft.com/office/drawing/2014/main" id="{E5117AFE-BB5F-486A-82EB-737FA99B6FDD}"/>
+                <a16:creationId xmlns:a16="http://schemas.microsoft.com/office/drawing/2014/main" xmlns="" id="{E5117AFE-BB5F-486A-82EB-737FA99B6FDD}"/>
               </a:ext>
             </a:extLst>
           </p:cNvPr>
@@ -6594,7 +6607,7 @@
           <p:cNvPr id="2" name="Title 1">
             <a:extLst>
               <a:ext uri="{FF2B5EF4-FFF2-40B4-BE49-F238E27FC236}">
-                <a16:creationId xmlns:a16="http://schemas.microsoft.com/office/drawing/2014/main" id="{150FEBAE-8FF9-49D9-B1B3-29EF853E7ABB}"/>
+                <a16:creationId xmlns:a16="http://schemas.microsoft.com/office/drawing/2014/main" xmlns="" id="{150FEBAE-8FF9-49D9-B1B3-29EF853E7ABB}"/>
               </a:ext>
             </a:extLst>
           </p:cNvPr>
@@ -6610,6 +6623,10 @@
           <a:bodyPr/>
           <a:lstStyle/>
           <a:p>
+            <a:r>
+              <a:rPr lang="en-AU" dirty="0"/>
+              <a:t/>
+            </a:r>
             <a:br>
               <a:rPr lang="en-AU" dirty="0"/>
             </a:br>
@@ -6622,7 +6639,7 @@
           <p:cNvPr id="6" name="TextBox 5">
             <a:extLst>
               <a:ext uri="{FF2B5EF4-FFF2-40B4-BE49-F238E27FC236}">
-                <a16:creationId xmlns:a16="http://schemas.microsoft.com/office/drawing/2014/main" id="{3B45D777-F645-49E6-8342-CFFAC3FE9342}"/>
+                <a16:creationId xmlns:a16="http://schemas.microsoft.com/office/drawing/2014/main" xmlns="" id="{3B45D777-F645-49E6-8342-CFFAC3FE9342}"/>
               </a:ext>
             </a:extLst>
           </p:cNvPr>
@@ -6703,7 +6720,7 @@
           <p:cNvPr id="7" name="Title 1">
             <a:extLst>
               <a:ext uri="{FF2B5EF4-FFF2-40B4-BE49-F238E27FC236}">
-                <a16:creationId xmlns:a16="http://schemas.microsoft.com/office/drawing/2014/main" id="{487AFB3F-5284-476C-9FD4-03D45C8B0B3D}"/>
+                <a16:creationId xmlns:a16="http://schemas.microsoft.com/office/drawing/2014/main" xmlns="" id="{487AFB3F-5284-476C-9FD4-03D45C8B0B3D}"/>
               </a:ext>
             </a:extLst>
           </p:cNvPr>
@@ -6760,7 +6777,7 @@
           <p:cNvPr id="10" name="TextBox 9">
             <a:extLst>
               <a:ext uri="{FF2B5EF4-FFF2-40B4-BE49-F238E27FC236}">
-                <a16:creationId xmlns:a16="http://schemas.microsoft.com/office/drawing/2014/main" id="{60E00BC1-6720-4248-9F27-EAAEC74420EE}"/>
+                <a16:creationId xmlns:a16="http://schemas.microsoft.com/office/drawing/2014/main" xmlns="" id="{60E00BC1-6720-4248-9F27-EAAEC74420EE}"/>
               </a:ext>
             </a:extLst>
           </p:cNvPr>
@@ -6846,7 +6863,7 @@
           <p:cNvPr id="11" name="Title 1">
             <a:extLst>
               <a:ext uri="{FF2B5EF4-FFF2-40B4-BE49-F238E27FC236}">
-                <a16:creationId xmlns:a16="http://schemas.microsoft.com/office/drawing/2014/main" id="{B1DCADAB-5D14-41FC-BBD6-AB71AA75BC53}"/>
+                <a16:creationId xmlns:a16="http://schemas.microsoft.com/office/drawing/2014/main" xmlns="" id="{B1DCADAB-5D14-41FC-BBD6-AB71AA75BC53}"/>
               </a:ext>
             </a:extLst>
           </p:cNvPr>
@@ -6903,7 +6920,7 @@
           <p:cNvPr id="12" name="Title 1">
             <a:extLst>
               <a:ext uri="{FF2B5EF4-FFF2-40B4-BE49-F238E27FC236}">
-                <a16:creationId xmlns:a16="http://schemas.microsoft.com/office/drawing/2014/main" id="{A8AE26AA-2EAD-4BBA-A35F-23B7B755FC85}"/>
+                <a16:creationId xmlns:a16="http://schemas.microsoft.com/office/drawing/2014/main" xmlns="" id="{A8AE26AA-2EAD-4BBA-A35F-23B7B755FC85}"/>
               </a:ext>
             </a:extLst>
           </p:cNvPr>
@@ -6960,7 +6977,7 @@
           <p:cNvPr id="13" name="TextBox 12">
             <a:extLst>
               <a:ext uri="{FF2B5EF4-FFF2-40B4-BE49-F238E27FC236}">
-                <a16:creationId xmlns:a16="http://schemas.microsoft.com/office/drawing/2014/main" id="{B4C61E17-EEF0-4056-BE8D-4A1C915CBE2F}"/>
+                <a16:creationId xmlns:a16="http://schemas.microsoft.com/office/drawing/2014/main" xmlns="" id="{B4C61E17-EEF0-4056-BE8D-4A1C915CBE2F}"/>
               </a:ext>
             </a:extLst>
           </p:cNvPr>
@@ -7089,6 +7106,516 @@
     <p:extLst>
       <p:ext uri="{BB962C8B-B14F-4D97-AF65-F5344CB8AC3E}">
         <p14:creationId xmlns:p14="http://schemas.microsoft.com/office/powerpoint/2010/main" val="1187832876"/>
+      </p:ext>
+    </p:extLst>
+  </p:cSld>
+  <p:clrMapOvr>
+    <a:masterClrMapping/>
+  </p:clrMapOvr>
+</p:sld>
+</file>
+
+<file path=ppt/slides/slide12.xml><?xml version="1.0" encoding="utf-8"?>
+<p:sld xmlns:a="http://schemas.openxmlformats.org/drawingml/2006/main" xmlns:r="http://schemas.openxmlformats.org/officeDocument/2006/relationships" xmlns:p="http://schemas.openxmlformats.org/presentationml/2006/main">
+  <p:cSld>
+    <p:spTree>
+      <p:nvGrpSpPr>
+        <p:cNvPr id="1" name=""/>
+        <p:cNvGrpSpPr/>
+        <p:nvPr/>
+      </p:nvGrpSpPr>
+      <p:grpSpPr>
+        <a:xfrm>
+          <a:off x="0" y="0"/>
+          <a:ext cx="0" cy="0"/>
+          <a:chOff x="0" y="0"/>
+          <a:chExt cx="0" cy="0"/>
+        </a:xfrm>
+      </p:grpSpPr>
+      <p:sp>
+        <p:nvSpPr>
+          <p:cNvPr id="2" name="Title 1"/>
+          <p:cNvSpPr>
+            <a:spLocks noGrp="1"/>
+          </p:cNvSpPr>
+          <p:nvPr>
+            <p:ph type="title"/>
+          </p:nvPr>
+        </p:nvSpPr>
+        <p:spPr/>
+        <p:txBody>
+          <a:bodyPr/>
+          <a:lstStyle/>
+          <a:p>
+            <a:r>
+              <a:rPr lang="en-US" dirty="0" err="1" smtClean="0"/>
+              <a:t>Trello</a:t>
+            </a:r>
+            <a:r>
+              <a:rPr lang="en-US" dirty="0" smtClean="0"/>
+              <a:t> Screenshots</a:t>
+            </a:r>
+            <a:br>
+              <a:rPr lang="en-US" dirty="0" smtClean="0"/>
+            </a:br>
+            <a:endParaRPr lang="en-AU" dirty="0"/>
+          </a:p>
+        </p:txBody>
+      </p:sp>
+      <p:pic>
+        <p:nvPicPr>
+          <p:cNvPr id="4" name="Picture 3"/>
+          <p:cNvPicPr>
+            <a:picLocks noChangeAspect="1"/>
+          </p:cNvPicPr>
+          <p:nvPr/>
+        </p:nvPicPr>
+        <p:blipFill>
+          <a:blip r:embed="rId2">
+            <a:extLst>
+              <a:ext uri="{28A0092B-C50C-407E-A947-70E740481C1C}">
+                <a14:useLocalDpi xmlns:a14="http://schemas.microsoft.com/office/drawing/2010/main" val="0"/>
+              </a:ext>
+            </a:extLst>
+          </a:blip>
+          <a:stretch>
+            <a:fillRect/>
+          </a:stretch>
+        </p:blipFill>
+        <p:spPr>
+          <a:xfrm>
+            <a:off x="1433513" y="1104038"/>
+            <a:ext cx="8148150" cy="5434874"/>
+          </a:xfrm>
+          <a:prstGeom prst="rect">
+            <a:avLst/>
+          </a:prstGeom>
+        </p:spPr>
+      </p:pic>
+    </p:spTree>
+    <p:extLst>
+      <p:ext uri="{BB962C8B-B14F-4D97-AF65-F5344CB8AC3E}">
+        <p14:creationId xmlns:p14="http://schemas.microsoft.com/office/powerpoint/2010/main" val="2856702342"/>
+      </p:ext>
+    </p:extLst>
+  </p:cSld>
+  <p:clrMapOvr>
+    <a:masterClrMapping/>
+  </p:clrMapOvr>
+</p:sld>
+</file>
+
+<file path=ppt/slides/slide13.xml><?xml version="1.0" encoding="utf-8"?>
+<p:sld xmlns:a="http://schemas.openxmlformats.org/drawingml/2006/main" xmlns:r="http://schemas.openxmlformats.org/officeDocument/2006/relationships" xmlns:p="http://schemas.openxmlformats.org/presentationml/2006/main">
+  <p:cSld>
+    <p:spTree>
+      <p:nvGrpSpPr>
+        <p:cNvPr id="1" name=""/>
+        <p:cNvGrpSpPr/>
+        <p:nvPr/>
+      </p:nvGrpSpPr>
+      <p:grpSpPr>
+        <a:xfrm>
+          <a:off x="0" y="0"/>
+          <a:ext cx="0" cy="0"/>
+          <a:chOff x="0" y="0"/>
+          <a:chExt cx="0" cy="0"/>
+        </a:xfrm>
+      </p:grpSpPr>
+      <p:pic>
+        <p:nvPicPr>
+          <p:cNvPr id="4" name="Picture 3"/>
+          <p:cNvPicPr>
+            <a:picLocks noChangeAspect="1"/>
+          </p:cNvPicPr>
+          <p:nvPr/>
+        </p:nvPicPr>
+        <p:blipFill>
+          <a:blip r:embed="rId2">
+            <a:extLst>
+              <a:ext uri="{28A0092B-C50C-407E-A947-70E740481C1C}">
+                <a14:useLocalDpi xmlns:a14="http://schemas.microsoft.com/office/drawing/2010/main" val="0"/>
+              </a:ext>
+            </a:extLst>
+          </a:blip>
+          <a:stretch>
+            <a:fillRect/>
+          </a:stretch>
+        </p:blipFill>
+        <p:spPr>
+          <a:xfrm>
+            <a:off x="749307" y="617416"/>
+            <a:ext cx="10335717" cy="5511677"/>
+          </a:xfrm>
+          <a:prstGeom prst="rect">
+            <a:avLst/>
+          </a:prstGeom>
+        </p:spPr>
+      </p:pic>
+    </p:spTree>
+    <p:extLst>
+      <p:ext uri="{BB962C8B-B14F-4D97-AF65-F5344CB8AC3E}">
+        <p14:creationId xmlns:p14="http://schemas.microsoft.com/office/powerpoint/2010/main" val="3762441570"/>
+      </p:ext>
+    </p:extLst>
+  </p:cSld>
+  <p:clrMapOvr>
+    <a:masterClrMapping/>
+  </p:clrMapOvr>
+</p:sld>
+</file>
+
+<file path=ppt/slides/slide14.xml><?xml version="1.0" encoding="utf-8"?>
+<p:sld xmlns:a="http://schemas.openxmlformats.org/drawingml/2006/main" xmlns:r="http://schemas.openxmlformats.org/officeDocument/2006/relationships" xmlns:p="http://schemas.openxmlformats.org/presentationml/2006/main">
+  <p:cSld>
+    <p:spTree>
+      <p:nvGrpSpPr>
+        <p:cNvPr id="1" name=""/>
+        <p:cNvGrpSpPr/>
+        <p:nvPr/>
+      </p:nvGrpSpPr>
+      <p:grpSpPr>
+        <a:xfrm>
+          <a:off x="0" y="0"/>
+          <a:ext cx="0" cy="0"/>
+          <a:chOff x="0" y="0"/>
+          <a:chExt cx="0" cy="0"/>
+        </a:xfrm>
+      </p:grpSpPr>
+      <p:pic>
+        <p:nvPicPr>
+          <p:cNvPr id="2" name="Picture 1"/>
+          <p:cNvPicPr>
+            <a:picLocks noChangeAspect="1"/>
+          </p:cNvPicPr>
+          <p:nvPr/>
+        </p:nvPicPr>
+        <p:blipFill>
+          <a:blip r:embed="rId2">
+            <a:extLst>
+              <a:ext uri="{28A0092B-C50C-407E-A947-70E740481C1C}">
+                <a14:useLocalDpi xmlns:a14="http://schemas.microsoft.com/office/drawing/2010/main" val="0"/>
+              </a:ext>
+            </a:extLst>
+          </a:blip>
+          <a:stretch>
+            <a:fillRect/>
+          </a:stretch>
+        </p:blipFill>
+        <p:spPr>
+          <a:xfrm>
+            <a:off x="1062893" y="441668"/>
+            <a:ext cx="9825037" cy="5772052"/>
+          </a:xfrm>
+          <a:prstGeom prst="rect">
+            <a:avLst/>
+          </a:prstGeom>
+        </p:spPr>
+      </p:pic>
+    </p:spTree>
+    <p:extLst>
+      <p:ext uri="{BB962C8B-B14F-4D97-AF65-F5344CB8AC3E}">
+        <p14:creationId xmlns:p14="http://schemas.microsoft.com/office/powerpoint/2010/main" val="132081248"/>
+      </p:ext>
+    </p:extLst>
+  </p:cSld>
+  <p:clrMapOvr>
+    <a:masterClrMapping/>
+  </p:clrMapOvr>
+</p:sld>
+</file>
+
+<file path=ppt/slides/slide15.xml><?xml version="1.0" encoding="utf-8"?>
+<p:sld xmlns:a="http://schemas.openxmlformats.org/drawingml/2006/main" xmlns:r="http://schemas.openxmlformats.org/officeDocument/2006/relationships" xmlns:p="http://schemas.openxmlformats.org/presentationml/2006/main">
+  <p:cSld>
+    <p:spTree>
+      <p:nvGrpSpPr>
+        <p:cNvPr id="1" name=""/>
+        <p:cNvGrpSpPr/>
+        <p:nvPr/>
+      </p:nvGrpSpPr>
+      <p:grpSpPr>
+        <a:xfrm>
+          <a:off x="0" y="0"/>
+          <a:ext cx="0" cy="0"/>
+          <a:chOff x="0" y="0"/>
+          <a:chExt cx="0" cy="0"/>
+        </a:xfrm>
+      </p:grpSpPr>
+      <p:pic>
+        <p:nvPicPr>
+          <p:cNvPr id="2" name="Picture 1"/>
+          <p:cNvPicPr>
+            <a:picLocks noChangeAspect="1"/>
+          </p:cNvPicPr>
+          <p:nvPr/>
+        </p:nvPicPr>
+        <p:blipFill>
+          <a:blip r:embed="rId2">
+            <a:extLst>
+              <a:ext uri="{28A0092B-C50C-407E-A947-70E740481C1C}">
+                <a14:useLocalDpi xmlns:a14="http://schemas.microsoft.com/office/drawing/2010/main" val="0"/>
+              </a:ext>
+            </a:extLst>
+          </a:blip>
+          <a:stretch>
+            <a:fillRect/>
+          </a:stretch>
+        </p:blipFill>
+        <p:spPr>
+          <a:xfrm>
+            <a:off x="878919" y="1094153"/>
+            <a:ext cx="10320173" cy="4702464"/>
+          </a:xfrm>
+          <a:prstGeom prst="rect">
+            <a:avLst/>
+          </a:prstGeom>
+        </p:spPr>
+      </p:pic>
+    </p:spTree>
+    <p:extLst>
+      <p:ext uri="{BB962C8B-B14F-4D97-AF65-F5344CB8AC3E}">
+        <p14:creationId xmlns:p14="http://schemas.microsoft.com/office/powerpoint/2010/main" val="3531291675"/>
+      </p:ext>
+    </p:extLst>
+  </p:cSld>
+  <p:clrMapOvr>
+    <a:masterClrMapping/>
+  </p:clrMapOvr>
+</p:sld>
+</file>
+
+<file path=ppt/slides/slide16.xml><?xml version="1.0" encoding="utf-8"?>
+<p:sld xmlns:a="http://schemas.openxmlformats.org/drawingml/2006/main" xmlns:r="http://schemas.openxmlformats.org/officeDocument/2006/relationships" xmlns:p="http://schemas.openxmlformats.org/presentationml/2006/main">
+  <p:cSld>
+    <p:spTree>
+      <p:nvGrpSpPr>
+        <p:cNvPr id="1" name=""/>
+        <p:cNvGrpSpPr/>
+        <p:nvPr/>
+      </p:nvGrpSpPr>
+      <p:grpSpPr>
+        <a:xfrm>
+          <a:off x="0" y="0"/>
+          <a:ext cx="0" cy="0"/>
+          <a:chOff x="0" y="0"/>
+          <a:chExt cx="0" cy="0"/>
+        </a:xfrm>
+      </p:grpSpPr>
+      <p:pic>
+        <p:nvPicPr>
+          <p:cNvPr id="2" name="Picture 1"/>
+          <p:cNvPicPr>
+            <a:picLocks noChangeAspect="1"/>
+          </p:cNvPicPr>
+          <p:nvPr/>
+        </p:nvPicPr>
+        <p:blipFill>
+          <a:blip r:embed="rId2">
+            <a:extLst>
+              <a:ext uri="{28A0092B-C50C-407E-A947-70E740481C1C}">
+                <a14:useLocalDpi xmlns:a14="http://schemas.microsoft.com/office/drawing/2010/main" val="0"/>
+              </a:ext>
+            </a:extLst>
+          </a:blip>
+          <a:stretch>
+            <a:fillRect/>
+          </a:stretch>
+        </p:blipFill>
+        <p:spPr>
+          <a:xfrm>
+            <a:off x="1336308" y="257908"/>
+            <a:ext cx="9363075" cy="6248400"/>
+          </a:xfrm>
+          <a:prstGeom prst="rect">
+            <a:avLst/>
+          </a:prstGeom>
+        </p:spPr>
+      </p:pic>
+    </p:spTree>
+    <p:extLst>
+      <p:ext uri="{BB962C8B-B14F-4D97-AF65-F5344CB8AC3E}">
+        <p14:creationId xmlns:p14="http://schemas.microsoft.com/office/powerpoint/2010/main" val="2654457126"/>
+      </p:ext>
+    </p:extLst>
+  </p:cSld>
+  <p:clrMapOvr>
+    <a:masterClrMapping/>
+  </p:clrMapOvr>
+</p:sld>
+</file>
+
+<file path=ppt/slides/slide17.xml><?xml version="1.0" encoding="utf-8"?>
+<p:sld xmlns:a="http://schemas.openxmlformats.org/drawingml/2006/main" xmlns:r="http://schemas.openxmlformats.org/officeDocument/2006/relationships" xmlns:p="http://schemas.openxmlformats.org/presentationml/2006/main">
+  <p:cSld>
+    <p:spTree>
+      <p:nvGrpSpPr>
+        <p:cNvPr id="1" name=""/>
+        <p:cNvGrpSpPr/>
+        <p:nvPr/>
+      </p:nvGrpSpPr>
+      <p:grpSpPr>
+        <a:xfrm>
+          <a:off x="0" y="0"/>
+          <a:ext cx="0" cy="0"/>
+          <a:chOff x="0" y="0"/>
+          <a:chExt cx="0" cy="0"/>
+        </a:xfrm>
+      </p:grpSpPr>
+      <p:pic>
+        <p:nvPicPr>
+          <p:cNvPr id="2" name="Picture 1"/>
+          <p:cNvPicPr>
+            <a:picLocks noChangeAspect="1"/>
+          </p:cNvPicPr>
+          <p:nvPr/>
+        </p:nvPicPr>
+        <p:blipFill>
+          <a:blip r:embed="rId2">
+            <a:extLst>
+              <a:ext uri="{28A0092B-C50C-407E-A947-70E740481C1C}">
+                <a14:useLocalDpi xmlns:a14="http://schemas.microsoft.com/office/drawing/2010/main" val="0"/>
+              </a:ext>
+            </a:extLst>
+          </a:blip>
+          <a:stretch>
+            <a:fillRect/>
+          </a:stretch>
+        </p:blipFill>
+        <p:spPr>
+          <a:xfrm>
+            <a:off x="1409700" y="319087"/>
+            <a:ext cx="9372600" cy="6219825"/>
+          </a:xfrm>
+          <a:prstGeom prst="rect">
+            <a:avLst/>
+          </a:prstGeom>
+        </p:spPr>
+      </p:pic>
+    </p:spTree>
+    <p:extLst>
+      <p:ext uri="{BB962C8B-B14F-4D97-AF65-F5344CB8AC3E}">
+        <p14:creationId xmlns:p14="http://schemas.microsoft.com/office/powerpoint/2010/main" val="1721922952"/>
+      </p:ext>
+    </p:extLst>
+  </p:cSld>
+  <p:clrMapOvr>
+    <a:masterClrMapping/>
+  </p:clrMapOvr>
+</p:sld>
+</file>
+
+<file path=ppt/slides/slide18.xml><?xml version="1.0" encoding="utf-8"?>
+<p:sld xmlns:a="http://schemas.openxmlformats.org/drawingml/2006/main" xmlns:r="http://schemas.openxmlformats.org/officeDocument/2006/relationships" xmlns:p="http://schemas.openxmlformats.org/presentationml/2006/main">
+  <p:cSld>
+    <p:spTree>
+      <p:nvGrpSpPr>
+        <p:cNvPr id="1" name=""/>
+        <p:cNvGrpSpPr/>
+        <p:nvPr/>
+      </p:nvGrpSpPr>
+      <p:grpSpPr>
+        <a:xfrm>
+          <a:off x="0" y="0"/>
+          <a:ext cx="0" cy="0"/>
+          <a:chOff x="0" y="0"/>
+          <a:chExt cx="0" cy="0"/>
+        </a:xfrm>
+      </p:grpSpPr>
+      <p:pic>
+        <p:nvPicPr>
+          <p:cNvPr id="3" name="Picture 2"/>
+          <p:cNvPicPr>
+            <a:picLocks noChangeAspect="1"/>
+          </p:cNvPicPr>
+          <p:nvPr/>
+        </p:nvPicPr>
+        <p:blipFill>
+          <a:blip r:embed="rId2">
+            <a:extLst>
+              <a:ext uri="{28A0092B-C50C-407E-A947-70E740481C1C}">
+                <a14:useLocalDpi xmlns:a14="http://schemas.microsoft.com/office/drawing/2010/main" val="0"/>
+              </a:ext>
+            </a:extLst>
+          </a:blip>
+          <a:stretch>
+            <a:fillRect/>
+          </a:stretch>
+        </p:blipFill>
+        <p:spPr>
+          <a:xfrm>
+            <a:off x="1609970" y="243258"/>
+            <a:ext cx="8699988" cy="6232032"/>
+          </a:xfrm>
+          <a:prstGeom prst="rect">
+            <a:avLst/>
+          </a:prstGeom>
+        </p:spPr>
+      </p:pic>
+    </p:spTree>
+    <p:extLst>
+      <p:ext uri="{BB962C8B-B14F-4D97-AF65-F5344CB8AC3E}">
+        <p14:creationId xmlns:p14="http://schemas.microsoft.com/office/powerpoint/2010/main" val="92048087"/>
+      </p:ext>
+    </p:extLst>
+  </p:cSld>
+  <p:clrMapOvr>
+    <a:masterClrMapping/>
+  </p:clrMapOvr>
+</p:sld>
+</file>
+
+<file path=ppt/slides/slide19.xml><?xml version="1.0" encoding="utf-8"?>
+<p:sld xmlns:a="http://schemas.openxmlformats.org/drawingml/2006/main" xmlns:r="http://schemas.openxmlformats.org/officeDocument/2006/relationships" xmlns:p="http://schemas.openxmlformats.org/presentationml/2006/main">
+  <p:cSld>
+    <p:spTree>
+      <p:nvGrpSpPr>
+        <p:cNvPr id="1" name=""/>
+        <p:cNvGrpSpPr/>
+        <p:nvPr/>
+      </p:nvGrpSpPr>
+      <p:grpSpPr>
+        <a:xfrm>
+          <a:off x="0" y="0"/>
+          <a:ext cx="0" cy="0"/>
+          <a:chOff x="0" y="0"/>
+          <a:chExt cx="0" cy="0"/>
+        </a:xfrm>
+      </p:grpSpPr>
+      <p:pic>
+        <p:nvPicPr>
+          <p:cNvPr id="2" name="Picture 1"/>
+          <p:cNvPicPr>
+            <a:picLocks noChangeAspect="1"/>
+          </p:cNvPicPr>
+          <p:nvPr/>
+        </p:nvPicPr>
+        <p:blipFill>
+          <a:blip r:embed="rId2">
+            <a:extLst>
+              <a:ext uri="{28A0092B-C50C-407E-A947-70E740481C1C}">
+                <a14:useLocalDpi xmlns:a14="http://schemas.microsoft.com/office/drawing/2010/main" val="0"/>
+              </a:ext>
+            </a:extLst>
+          </a:blip>
+          <a:stretch>
+            <a:fillRect/>
+          </a:stretch>
+        </p:blipFill>
+        <p:spPr>
+          <a:xfrm>
+            <a:off x="3505200" y="257175"/>
+            <a:ext cx="5181600" cy="6343650"/>
+          </a:xfrm>
+          <a:prstGeom prst="rect">
+            <a:avLst/>
+          </a:prstGeom>
+        </p:spPr>
+      </p:pic>
+    </p:spTree>
+    <p:extLst>
+      <p:ext uri="{BB962C8B-B14F-4D97-AF65-F5344CB8AC3E}">
+        <p14:creationId xmlns:p14="http://schemas.microsoft.com/office/powerpoint/2010/main" val="1365512963"/>
       </p:ext>
     </p:extLst>
   </p:cSld>
@@ -7120,7 +7647,7 @@
           <p:cNvPr id="4" name="Title 1">
             <a:extLst>
               <a:ext uri="{FF2B5EF4-FFF2-40B4-BE49-F238E27FC236}">
-                <a16:creationId xmlns:a16="http://schemas.microsoft.com/office/drawing/2014/main" id="{9D7F83A1-07DB-494A-B60B-58C4C4AFFE39}"/>
+                <a16:creationId xmlns:a16="http://schemas.microsoft.com/office/drawing/2014/main" xmlns="" id="{9D7F83A1-07DB-494A-B60B-58C4C4AFFE39}"/>
               </a:ext>
             </a:extLst>
           </p:cNvPr>
@@ -7140,7 +7667,7 @@
         </p:spPr>
         <p:txBody>
           <a:bodyPr vert="horz" lIns="109728" tIns="109728" rIns="109728" bIns="91440" rtlCol="0" anchor="ctr">
-            <a:normAutofit fontScale="55000" lnSpcReduction="20000"/>
+            <a:normAutofit fontScale="47500" lnSpcReduction="20000"/>
           </a:bodyPr>
           <a:lstStyle>
             <a:lvl1pPr algn="l" defTabSz="914400" rtl="0" eaLnBrk="1" latinLnBrk="0" hangingPunct="1">
@@ -7180,7 +7707,7 @@
           <p:cNvPr id="5" name="TextBox 4">
             <a:extLst>
               <a:ext uri="{FF2B5EF4-FFF2-40B4-BE49-F238E27FC236}">
-                <a16:creationId xmlns:a16="http://schemas.microsoft.com/office/drawing/2014/main" id="{96821F8C-344E-456D-9B03-1097BAE15E0B}"/>
+                <a16:creationId xmlns:a16="http://schemas.microsoft.com/office/drawing/2014/main" xmlns="" id="{96821F8C-344E-456D-9B03-1097BAE15E0B}"/>
               </a:ext>
             </a:extLst>
           </p:cNvPr>
@@ -7263,7 +7790,7 @@
           <p:cNvPr id="6" name="TextBox 5">
             <a:extLst>
               <a:ext uri="{FF2B5EF4-FFF2-40B4-BE49-F238E27FC236}">
-                <a16:creationId xmlns:a16="http://schemas.microsoft.com/office/drawing/2014/main" id="{1CBE59DE-9A53-4BBD-8E3F-B5B0F4C6F2EB}"/>
+                <a16:creationId xmlns:a16="http://schemas.microsoft.com/office/drawing/2014/main" xmlns="" id="{1CBE59DE-9A53-4BBD-8E3F-B5B0F4C6F2EB}"/>
               </a:ext>
             </a:extLst>
           </p:cNvPr>
@@ -7458,6 +7985,306 @@
     <p:extLst>
       <p:ext uri="{BB962C8B-B14F-4D97-AF65-F5344CB8AC3E}">
         <p14:creationId xmlns:p14="http://schemas.microsoft.com/office/powerpoint/2010/main" val="2895128691"/>
+      </p:ext>
+    </p:extLst>
+  </p:cSld>
+  <p:clrMapOvr>
+    <a:masterClrMapping/>
+  </p:clrMapOvr>
+</p:sld>
+</file>
+
+<file path=ppt/slides/slide20.xml><?xml version="1.0" encoding="utf-8"?>
+<p:sld xmlns:a="http://schemas.openxmlformats.org/drawingml/2006/main" xmlns:r="http://schemas.openxmlformats.org/officeDocument/2006/relationships" xmlns:p="http://schemas.openxmlformats.org/presentationml/2006/main">
+  <p:cSld>
+    <p:spTree>
+      <p:nvGrpSpPr>
+        <p:cNvPr id="1" name=""/>
+        <p:cNvGrpSpPr/>
+        <p:nvPr/>
+      </p:nvGrpSpPr>
+      <p:grpSpPr>
+        <a:xfrm>
+          <a:off x="0" y="0"/>
+          <a:ext cx="0" cy="0"/>
+          <a:chOff x="0" y="0"/>
+          <a:chExt cx="0" cy="0"/>
+        </a:xfrm>
+      </p:grpSpPr>
+      <p:pic>
+        <p:nvPicPr>
+          <p:cNvPr id="2" name="Picture 1"/>
+          <p:cNvPicPr>
+            <a:picLocks noChangeAspect="1"/>
+          </p:cNvPicPr>
+          <p:nvPr/>
+        </p:nvPicPr>
+        <p:blipFill>
+          <a:blip r:embed="rId2">
+            <a:extLst>
+              <a:ext uri="{28A0092B-C50C-407E-A947-70E740481C1C}">
+                <a14:useLocalDpi xmlns:a14="http://schemas.microsoft.com/office/drawing/2010/main" val="0"/>
+              </a:ext>
+            </a:extLst>
+          </a:blip>
+          <a:stretch>
+            <a:fillRect/>
+          </a:stretch>
+        </p:blipFill>
+        <p:spPr>
+          <a:xfrm>
+            <a:off x="3495675" y="252412"/>
+            <a:ext cx="5200650" cy="6353175"/>
+          </a:xfrm>
+          <a:prstGeom prst="rect">
+            <a:avLst/>
+          </a:prstGeom>
+        </p:spPr>
+      </p:pic>
+    </p:spTree>
+    <p:extLst>
+      <p:ext uri="{BB962C8B-B14F-4D97-AF65-F5344CB8AC3E}">
+        <p14:creationId xmlns:p14="http://schemas.microsoft.com/office/powerpoint/2010/main" val="3886034040"/>
+      </p:ext>
+    </p:extLst>
+  </p:cSld>
+  <p:clrMapOvr>
+    <a:masterClrMapping/>
+  </p:clrMapOvr>
+</p:sld>
+</file>
+
+<file path=ppt/slides/slide21.xml><?xml version="1.0" encoding="utf-8"?>
+<p:sld xmlns:a="http://schemas.openxmlformats.org/drawingml/2006/main" xmlns:r="http://schemas.openxmlformats.org/officeDocument/2006/relationships" xmlns:p="http://schemas.openxmlformats.org/presentationml/2006/main">
+  <p:cSld>
+    <p:spTree>
+      <p:nvGrpSpPr>
+        <p:cNvPr id="1" name=""/>
+        <p:cNvGrpSpPr/>
+        <p:nvPr/>
+      </p:nvGrpSpPr>
+      <p:grpSpPr>
+        <a:xfrm>
+          <a:off x="0" y="0"/>
+          <a:ext cx="0" cy="0"/>
+          <a:chOff x="0" y="0"/>
+          <a:chExt cx="0" cy="0"/>
+        </a:xfrm>
+      </p:grpSpPr>
+      <p:pic>
+        <p:nvPicPr>
+          <p:cNvPr id="2" name="Picture 1"/>
+          <p:cNvPicPr>
+            <a:picLocks noChangeAspect="1"/>
+          </p:cNvPicPr>
+          <p:nvPr/>
+        </p:nvPicPr>
+        <p:blipFill>
+          <a:blip r:embed="rId2">
+            <a:extLst>
+              <a:ext uri="{28A0092B-C50C-407E-A947-70E740481C1C}">
+                <a14:useLocalDpi xmlns:a14="http://schemas.microsoft.com/office/drawing/2010/main" val="0"/>
+              </a:ext>
+            </a:extLst>
+          </a:blip>
+          <a:stretch>
+            <a:fillRect/>
+          </a:stretch>
+        </p:blipFill>
+        <p:spPr>
+          <a:xfrm>
+            <a:off x="3495675" y="252412"/>
+            <a:ext cx="5200650" cy="6353175"/>
+          </a:xfrm>
+          <a:prstGeom prst="rect">
+            <a:avLst/>
+          </a:prstGeom>
+        </p:spPr>
+      </p:pic>
+    </p:spTree>
+    <p:extLst>
+      <p:ext uri="{BB962C8B-B14F-4D97-AF65-F5344CB8AC3E}">
+        <p14:creationId xmlns:p14="http://schemas.microsoft.com/office/powerpoint/2010/main" val="2973385765"/>
+      </p:ext>
+    </p:extLst>
+  </p:cSld>
+  <p:clrMapOvr>
+    <a:masterClrMapping/>
+  </p:clrMapOvr>
+</p:sld>
+</file>
+
+<file path=ppt/slides/slide22.xml><?xml version="1.0" encoding="utf-8"?>
+<p:sld xmlns:a="http://schemas.openxmlformats.org/drawingml/2006/main" xmlns:r="http://schemas.openxmlformats.org/officeDocument/2006/relationships" xmlns:p="http://schemas.openxmlformats.org/presentationml/2006/main">
+  <p:cSld>
+    <p:spTree>
+      <p:nvGrpSpPr>
+        <p:cNvPr id="1" name=""/>
+        <p:cNvGrpSpPr/>
+        <p:nvPr/>
+      </p:nvGrpSpPr>
+      <p:grpSpPr>
+        <a:xfrm>
+          <a:off x="0" y="0"/>
+          <a:ext cx="0" cy="0"/>
+          <a:chOff x="0" y="0"/>
+          <a:chExt cx="0" cy="0"/>
+        </a:xfrm>
+      </p:grpSpPr>
+      <p:pic>
+        <p:nvPicPr>
+          <p:cNvPr id="2" name="Picture 1"/>
+          <p:cNvPicPr>
+            <a:picLocks noChangeAspect="1"/>
+          </p:cNvPicPr>
+          <p:nvPr/>
+        </p:nvPicPr>
+        <p:blipFill>
+          <a:blip r:embed="rId2">
+            <a:extLst>
+              <a:ext uri="{28A0092B-C50C-407E-A947-70E740481C1C}">
+                <a14:useLocalDpi xmlns:a14="http://schemas.microsoft.com/office/drawing/2010/main" val="0"/>
+              </a:ext>
+            </a:extLst>
+          </a:blip>
+          <a:stretch>
+            <a:fillRect/>
+          </a:stretch>
+        </p:blipFill>
+        <p:spPr>
+          <a:xfrm>
+            <a:off x="3490912" y="257175"/>
+            <a:ext cx="5210175" cy="6343650"/>
+          </a:xfrm>
+          <a:prstGeom prst="rect">
+            <a:avLst/>
+          </a:prstGeom>
+        </p:spPr>
+      </p:pic>
+    </p:spTree>
+    <p:extLst>
+      <p:ext uri="{BB962C8B-B14F-4D97-AF65-F5344CB8AC3E}">
+        <p14:creationId xmlns:p14="http://schemas.microsoft.com/office/powerpoint/2010/main" val="2284356122"/>
+      </p:ext>
+    </p:extLst>
+  </p:cSld>
+  <p:clrMapOvr>
+    <a:masterClrMapping/>
+  </p:clrMapOvr>
+</p:sld>
+</file>
+
+<file path=ppt/slides/slide23.xml><?xml version="1.0" encoding="utf-8"?>
+<p:sld xmlns:a="http://schemas.openxmlformats.org/drawingml/2006/main" xmlns:r="http://schemas.openxmlformats.org/officeDocument/2006/relationships" xmlns:p="http://schemas.openxmlformats.org/presentationml/2006/main">
+  <p:cSld>
+    <p:spTree>
+      <p:nvGrpSpPr>
+        <p:cNvPr id="1" name=""/>
+        <p:cNvGrpSpPr/>
+        <p:nvPr/>
+      </p:nvGrpSpPr>
+      <p:grpSpPr>
+        <a:xfrm>
+          <a:off x="0" y="0"/>
+          <a:ext cx="0" cy="0"/>
+          <a:chOff x="0" y="0"/>
+          <a:chExt cx="0" cy="0"/>
+        </a:xfrm>
+      </p:grpSpPr>
+      <p:pic>
+        <p:nvPicPr>
+          <p:cNvPr id="4" name="Picture 3"/>
+          <p:cNvPicPr>
+            <a:picLocks noChangeAspect="1"/>
+          </p:cNvPicPr>
+          <p:nvPr/>
+        </p:nvPicPr>
+        <p:blipFill>
+          <a:blip r:embed="rId2">
+            <a:extLst>
+              <a:ext uri="{28A0092B-C50C-407E-A947-70E740481C1C}">
+                <a14:useLocalDpi xmlns:a14="http://schemas.microsoft.com/office/drawing/2010/main" val="0"/>
+              </a:ext>
+            </a:extLst>
+          </a:blip>
+          <a:stretch>
+            <a:fillRect/>
+          </a:stretch>
+        </p:blipFill>
+        <p:spPr>
+          <a:xfrm>
+            <a:off x="3495675" y="242887"/>
+            <a:ext cx="5200650" cy="6372225"/>
+          </a:xfrm>
+          <a:prstGeom prst="rect">
+            <a:avLst/>
+          </a:prstGeom>
+        </p:spPr>
+      </p:pic>
+    </p:spTree>
+    <p:extLst>
+      <p:ext uri="{BB962C8B-B14F-4D97-AF65-F5344CB8AC3E}">
+        <p14:creationId xmlns:p14="http://schemas.microsoft.com/office/powerpoint/2010/main" val="3550314032"/>
+      </p:ext>
+    </p:extLst>
+  </p:cSld>
+  <p:clrMapOvr>
+    <a:masterClrMapping/>
+  </p:clrMapOvr>
+</p:sld>
+</file>
+
+<file path=ppt/slides/slide24.xml><?xml version="1.0" encoding="utf-8"?>
+<p:sld xmlns:a="http://schemas.openxmlformats.org/drawingml/2006/main" xmlns:r="http://schemas.openxmlformats.org/officeDocument/2006/relationships" xmlns:p="http://schemas.openxmlformats.org/presentationml/2006/main">
+  <p:cSld>
+    <p:spTree>
+      <p:nvGrpSpPr>
+        <p:cNvPr id="1" name=""/>
+        <p:cNvGrpSpPr/>
+        <p:nvPr/>
+      </p:nvGrpSpPr>
+      <p:grpSpPr>
+        <a:xfrm>
+          <a:off x="0" y="0"/>
+          <a:ext cx="0" cy="0"/>
+          <a:chOff x="0" y="0"/>
+          <a:chExt cx="0" cy="0"/>
+        </a:xfrm>
+      </p:grpSpPr>
+      <p:pic>
+        <p:nvPicPr>
+          <p:cNvPr id="2" name="Picture 1"/>
+          <p:cNvPicPr>
+            <a:picLocks noChangeAspect="1"/>
+          </p:cNvPicPr>
+          <p:nvPr/>
+        </p:nvPicPr>
+        <p:blipFill>
+          <a:blip r:embed="rId2">
+            <a:extLst>
+              <a:ext uri="{28A0092B-C50C-407E-A947-70E740481C1C}">
+                <a14:useLocalDpi xmlns:a14="http://schemas.microsoft.com/office/drawing/2010/main" val="0"/>
+              </a:ext>
+            </a:extLst>
+          </a:blip>
+          <a:stretch>
+            <a:fillRect/>
+          </a:stretch>
+        </p:blipFill>
+        <p:spPr>
+          <a:xfrm>
+            <a:off x="3490912" y="247650"/>
+            <a:ext cx="5210175" cy="6362700"/>
+          </a:xfrm>
+          <a:prstGeom prst="rect">
+            <a:avLst/>
+          </a:prstGeom>
+        </p:spPr>
+      </p:pic>
+    </p:spTree>
+    <p:extLst>
+      <p:ext uri="{BB962C8B-B14F-4D97-AF65-F5344CB8AC3E}">
+        <p14:creationId xmlns:p14="http://schemas.microsoft.com/office/powerpoint/2010/main" val="1053122229"/>
       </p:ext>
     </p:extLst>
   </p:cSld>
@@ -7489,7 +8316,7 @@
           <p:cNvPr id="6" name="Title 1">
             <a:extLst>
               <a:ext uri="{FF2B5EF4-FFF2-40B4-BE49-F238E27FC236}">
-                <a16:creationId xmlns:a16="http://schemas.microsoft.com/office/drawing/2014/main" id="{A4B844A4-42EA-4B49-AAAE-436F603248D3}"/>
+                <a16:creationId xmlns:a16="http://schemas.microsoft.com/office/drawing/2014/main" xmlns="" id="{A4B844A4-42EA-4B49-AAAE-436F603248D3}"/>
               </a:ext>
             </a:extLst>
           </p:cNvPr>
@@ -7509,7 +8336,7 @@
         </p:spPr>
         <p:txBody>
           <a:bodyPr vert="horz" lIns="109728" tIns="109728" rIns="109728" bIns="91440" rtlCol="0" anchor="ctr">
-            <a:normAutofit fontScale="55000" lnSpcReduction="20000"/>
+            <a:normAutofit fontScale="47500" lnSpcReduction="20000"/>
           </a:bodyPr>
           <a:lstStyle>
             <a:lvl1pPr algn="l" defTabSz="914400" rtl="0" eaLnBrk="1" latinLnBrk="0" hangingPunct="1">
@@ -7544,48 +8371,12 @@
           </a:p>
         </p:txBody>
       </p:sp>
-      <p:pic>
-        <p:nvPicPr>
-          <p:cNvPr id="10" name="Picture 9">
-            <a:extLst>
-              <a:ext uri="{FF2B5EF4-FFF2-40B4-BE49-F238E27FC236}">
-                <a16:creationId xmlns:a16="http://schemas.microsoft.com/office/drawing/2014/main" id="{F0228BF7-1987-4A98-8FF2-2CB68771BDEF}"/>
-              </a:ext>
-            </a:extLst>
-          </p:cNvPr>
-          <p:cNvPicPr>
-            <a:picLocks noChangeAspect="1"/>
-          </p:cNvPicPr>
-          <p:nvPr/>
-        </p:nvPicPr>
-        <p:blipFill>
-          <a:blip r:embed="rId2">
-            <a:extLst>
-              <a:ext uri="{28A0092B-C50C-407E-A947-70E740481C1C}">
-                <a14:useLocalDpi xmlns:a14="http://schemas.microsoft.com/office/drawing/2010/main" val="0"/>
-              </a:ext>
-            </a:extLst>
-          </a:blip>
-          <a:stretch>
-            <a:fillRect/>
-          </a:stretch>
-        </p:blipFill>
-        <p:spPr>
-          <a:xfrm>
-            <a:off x="4244616" y="494895"/>
-            <a:ext cx="7448620" cy="5592672"/>
-          </a:xfrm>
-          <a:prstGeom prst="rect">
-            <a:avLst/>
-          </a:prstGeom>
-        </p:spPr>
-      </p:pic>
       <p:sp>
         <p:nvSpPr>
           <p:cNvPr id="4" name="TextBox 3">
             <a:extLst>
               <a:ext uri="{FF2B5EF4-FFF2-40B4-BE49-F238E27FC236}">
-                <a16:creationId xmlns:a16="http://schemas.microsoft.com/office/drawing/2014/main" id="{3A4FCBC7-BE79-4D05-B53C-916722493676}"/>
+                <a16:creationId xmlns:a16="http://schemas.microsoft.com/office/drawing/2014/main" xmlns="" id="{3A4FCBC7-BE79-4D05-B53C-916722493676}"/>
               </a:ext>
             </a:extLst>
           </p:cNvPr>
@@ -7717,6 +8508,36 @@
           </a:p>
         </p:txBody>
       </p:sp>
+      <p:pic>
+        <p:nvPicPr>
+          <p:cNvPr id="2" name="Picture 1"/>
+          <p:cNvPicPr>
+            <a:picLocks noChangeAspect="1"/>
+          </p:cNvPicPr>
+          <p:nvPr/>
+        </p:nvPicPr>
+        <p:blipFill>
+          <a:blip r:embed="rId2" cstate="print">
+            <a:extLst>
+              <a:ext uri="{28A0092B-C50C-407E-A947-70E740481C1C}">
+                <a14:useLocalDpi xmlns:a14="http://schemas.microsoft.com/office/drawing/2010/main" val="0"/>
+              </a:ext>
+            </a:extLst>
+          </a:blip>
+          <a:stretch>
+            <a:fillRect/>
+          </a:stretch>
+        </p:blipFill>
+        <p:spPr>
+          <a:xfrm>
+            <a:off x="4092214" y="531094"/>
+            <a:ext cx="7321296" cy="5733288"/>
+          </a:xfrm>
+          <a:prstGeom prst="rect">
+            <a:avLst/>
+          </a:prstGeom>
+        </p:spPr>
+      </p:pic>
     </p:spTree>
     <p:extLst>
       <p:ext uri="{BB962C8B-B14F-4D97-AF65-F5344CB8AC3E}">
@@ -7752,7 +8573,7 @@
           <p:cNvPr id="2" name="Title 1">
             <a:extLst>
               <a:ext uri="{FF2B5EF4-FFF2-40B4-BE49-F238E27FC236}">
-                <a16:creationId xmlns:a16="http://schemas.microsoft.com/office/drawing/2014/main" id="{0F0C3246-4761-43FB-B263-B6A3389AB9DE}"/>
+                <a16:creationId xmlns:a16="http://schemas.microsoft.com/office/drawing/2014/main" xmlns="" id="{0F0C3246-4761-43FB-B263-B6A3389AB9DE}"/>
               </a:ext>
             </a:extLst>
           </p:cNvPr>
@@ -7787,7 +8608,7 @@
           <p:cNvPr id="5" name="TextBox 4">
             <a:extLst>
               <a:ext uri="{FF2B5EF4-FFF2-40B4-BE49-F238E27FC236}">
-                <a16:creationId xmlns:a16="http://schemas.microsoft.com/office/drawing/2014/main" id="{FA1B3D69-DAFA-4DAD-A1CE-4F584F392A20}"/>
+                <a16:creationId xmlns:a16="http://schemas.microsoft.com/office/drawing/2014/main" xmlns="" id="{FA1B3D69-DAFA-4DAD-A1CE-4F584F392A20}"/>
               </a:ext>
             </a:extLst>
           </p:cNvPr>
@@ -7830,7 +8651,7 @@
           <p:cNvPr id="8" name="TextBox 7">
             <a:extLst>
               <a:ext uri="{FF2B5EF4-FFF2-40B4-BE49-F238E27FC236}">
-                <a16:creationId xmlns:a16="http://schemas.microsoft.com/office/drawing/2014/main" id="{7B9181D5-8F8D-46EB-A5E5-2BFACED22111}"/>
+                <a16:creationId xmlns:a16="http://schemas.microsoft.com/office/drawing/2014/main" xmlns="" id="{7B9181D5-8F8D-46EB-A5E5-2BFACED22111}"/>
               </a:ext>
             </a:extLst>
           </p:cNvPr>
@@ -7865,7 +8686,7 @@
           <p:cNvPr id="12" name="Picture 11">
             <a:extLst>
               <a:ext uri="{FF2B5EF4-FFF2-40B4-BE49-F238E27FC236}">
-                <a16:creationId xmlns:a16="http://schemas.microsoft.com/office/drawing/2014/main" id="{033313DF-2CC3-45D0-9590-108960834E63}"/>
+                <a16:creationId xmlns:a16="http://schemas.microsoft.com/office/drawing/2014/main" xmlns="" id="{033313DF-2CC3-45D0-9590-108960834E63}"/>
               </a:ext>
             </a:extLst>
           </p:cNvPr>
@@ -7901,7 +8722,7 @@
           <p:cNvPr id="14" name="Picture 13">
             <a:extLst>
               <a:ext uri="{FF2B5EF4-FFF2-40B4-BE49-F238E27FC236}">
-                <a16:creationId xmlns:a16="http://schemas.microsoft.com/office/drawing/2014/main" id="{DEFEB07E-66BC-44C9-A706-583095098AB3}"/>
+                <a16:creationId xmlns:a16="http://schemas.microsoft.com/office/drawing/2014/main" xmlns="" id="{DEFEB07E-66BC-44C9-A706-583095098AB3}"/>
               </a:ext>
             </a:extLst>
           </p:cNvPr>
@@ -7937,7 +8758,7 @@
           <p:cNvPr id="15" name="TextBox 14">
             <a:extLst>
               <a:ext uri="{FF2B5EF4-FFF2-40B4-BE49-F238E27FC236}">
-                <a16:creationId xmlns:a16="http://schemas.microsoft.com/office/drawing/2014/main" id="{0D19191D-70A9-4624-A98E-F6BD19EC093D}"/>
+                <a16:creationId xmlns:a16="http://schemas.microsoft.com/office/drawing/2014/main" xmlns="" id="{0D19191D-70A9-4624-A98E-F6BD19EC093D}"/>
               </a:ext>
             </a:extLst>
           </p:cNvPr>
@@ -8014,7 +8835,7 @@
           <p:cNvPr id="2" name="Title 1">
             <a:extLst>
               <a:ext uri="{FF2B5EF4-FFF2-40B4-BE49-F238E27FC236}">
-                <a16:creationId xmlns:a16="http://schemas.microsoft.com/office/drawing/2014/main" id="{D4FE7ECF-D558-4327-B8CF-24C986C1325E}"/>
+                <a16:creationId xmlns:a16="http://schemas.microsoft.com/office/drawing/2014/main" xmlns="" id="{D4FE7ECF-D558-4327-B8CF-24C986C1325E}"/>
               </a:ext>
             </a:extLst>
           </p:cNvPr>
@@ -8049,7 +8870,7 @@
           <p:cNvPr id="6" name="TextBox 5">
             <a:extLst>
               <a:ext uri="{FF2B5EF4-FFF2-40B4-BE49-F238E27FC236}">
-                <a16:creationId xmlns:a16="http://schemas.microsoft.com/office/drawing/2014/main" id="{0BE7CA67-8D1A-49F0-8C9C-1D04B8D85C9F}"/>
+                <a16:creationId xmlns:a16="http://schemas.microsoft.com/office/drawing/2014/main" xmlns="" id="{0BE7CA67-8D1A-49F0-8C9C-1D04B8D85C9F}"/>
               </a:ext>
             </a:extLst>
           </p:cNvPr>
@@ -8084,7 +8905,7 @@
           <p:cNvPr id="7" name="TextBox 6">
             <a:extLst>
               <a:ext uri="{FF2B5EF4-FFF2-40B4-BE49-F238E27FC236}">
-                <a16:creationId xmlns:a16="http://schemas.microsoft.com/office/drawing/2014/main" id="{ECA49716-E20C-4996-8C6E-F02E520540CE}"/>
+                <a16:creationId xmlns:a16="http://schemas.microsoft.com/office/drawing/2014/main" xmlns="" id="{ECA49716-E20C-4996-8C6E-F02E520540CE}"/>
               </a:ext>
             </a:extLst>
           </p:cNvPr>
@@ -8143,7 +8964,7 @@
           <p:cNvPr id="10" name="Picture 9">
             <a:extLst>
               <a:ext uri="{FF2B5EF4-FFF2-40B4-BE49-F238E27FC236}">
-                <a16:creationId xmlns:a16="http://schemas.microsoft.com/office/drawing/2014/main" id="{0E4FB511-FCE9-4909-9907-6B62115A0CAD}"/>
+                <a16:creationId xmlns:a16="http://schemas.microsoft.com/office/drawing/2014/main" xmlns="" id="{0E4FB511-FCE9-4909-9907-6B62115A0CAD}"/>
               </a:ext>
             </a:extLst>
           </p:cNvPr>
@@ -8179,7 +9000,7 @@
           <p:cNvPr id="5" name="Picture 4">
             <a:extLst>
               <a:ext uri="{FF2B5EF4-FFF2-40B4-BE49-F238E27FC236}">
-                <a16:creationId xmlns:a16="http://schemas.microsoft.com/office/drawing/2014/main" id="{F1E9F291-70F9-442E-8009-0CAD31EE9258}"/>
+                <a16:creationId xmlns:a16="http://schemas.microsoft.com/office/drawing/2014/main" xmlns="" id="{F1E9F291-70F9-442E-8009-0CAD31EE9258}"/>
               </a:ext>
             </a:extLst>
           </p:cNvPr>
@@ -8245,7 +9066,7 @@
           <p:cNvPr id="2" name="Title 1">
             <a:extLst>
               <a:ext uri="{FF2B5EF4-FFF2-40B4-BE49-F238E27FC236}">
-                <a16:creationId xmlns:a16="http://schemas.microsoft.com/office/drawing/2014/main" id="{077BA90A-F185-4424-9403-B0ABF65F72AE}"/>
+                <a16:creationId xmlns:a16="http://schemas.microsoft.com/office/drawing/2014/main" xmlns="" id="{077BA90A-F185-4424-9403-B0ABF65F72AE}"/>
               </a:ext>
             </a:extLst>
           </p:cNvPr>
@@ -8287,7 +9108,7 @@
           <p:cNvPr id="5" name="Picture 4">
             <a:extLst>
               <a:ext uri="{FF2B5EF4-FFF2-40B4-BE49-F238E27FC236}">
-                <a16:creationId xmlns:a16="http://schemas.microsoft.com/office/drawing/2014/main" id="{26C5D7AE-D920-4E7C-85C7-D12A451F9F82}"/>
+                <a16:creationId xmlns:a16="http://schemas.microsoft.com/office/drawing/2014/main" xmlns="" id="{26C5D7AE-D920-4E7C-85C7-D12A451F9F82}"/>
               </a:ext>
             </a:extLst>
           </p:cNvPr>
@@ -8323,7 +9144,7 @@
           <p:cNvPr id="6" name="TextBox 5">
             <a:extLst>
               <a:ext uri="{FF2B5EF4-FFF2-40B4-BE49-F238E27FC236}">
-                <a16:creationId xmlns:a16="http://schemas.microsoft.com/office/drawing/2014/main" id="{54E17FA1-061F-48C7-A55E-33E6270B0511}"/>
+                <a16:creationId xmlns:a16="http://schemas.microsoft.com/office/drawing/2014/main" xmlns="" id="{54E17FA1-061F-48C7-A55E-33E6270B0511}"/>
               </a:ext>
             </a:extLst>
           </p:cNvPr>
@@ -8366,7 +9187,7 @@
           <p:cNvPr id="7" name="TextBox 6">
             <a:extLst>
               <a:ext uri="{FF2B5EF4-FFF2-40B4-BE49-F238E27FC236}">
-                <a16:creationId xmlns:a16="http://schemas.microsoft.com/office/drawing/2014/main" id="{75A730AB-4E80-4A2A-811E-72E5ACBDAF12}"/>
+                <a16:creationId xmlns:a16="http://schemas.microsoft.com/office/drawing/2014/main" xmlns="" id="{75A730AB-4E80-4A2A-811E-72E5ACBDAF12}"/>
               </a:ext>
             </a:extLst>
           </p:cNvPr>
@@ -8431,7 +9252,7 @@
           <p:cNvPr id="13" name="Picture 12">
             <a:extLst>
               <a:ext uri="{FF2B5EF4-FFF2-40B4-BE49-F238E27FC236}">
-                <a16:creationId xmlns:a16="http://schemas.microsoft.com/office/drawing/2014/main" id="{48CC3117-1B5C-43D1-8F21-A2E69B7B9C1C}"/>
+                <a16:creationId xmlns:a16="http://schemas.microsoft.com/office/drawing/2014/main" xmlns="" id="{48CC3117-1B5C-43D1-8F21-A2E69B7B9C1C}"/>
               </a:ext>
             </a:extLst>
           </p:cNvPr>
@@ -8467,7 +9288,7 @@
           <p:cNvPr id="15" name="Picture 14">
             <a:extLst>
               <a:ext uri="{FF2B5EF4-FFF2-40B4-BE49-F238E27FC236}">
-                <a16:creationId xmlns:a16="http://schemas.microsoft.com/office/drawing/2014/main" id="{826823FB-A06C-4D77-85B6-A3AB14DE5BF9}"/>
+                <a16:creationId xmlns:a16="http://schemas.microsoft.com/office/drawing/2014/main" xmlns="" id="{826823FB-A06C-4D77-85B6-A3AB14DE5BF9}"/>
               </a:ext>
             </a:extLst>
           </p:cNvPr>
@@ -8503,7 +9324,7 @@
           <p:cNvPr id="16" name="TextBox 15">
             <a:extLst>
               <a:ext uri="{FF2B5EF4-FFF2-40B4-BE49-F238E27FC236}">
-                <a16:creationId xmlns:a16="http://schemas.microsoft.com/office/drawing/2014/main" id="{E1EDAB77-92DC-43DC-9FB3-5D4B2C761561}"/>
+                <a16:creationId xmlns:a16="http://schemas.microsoft.com/office/drawing/2014/main" xmlns="" id="{E1EDAB77-92DC-43DC-9FB3-5D4B2C761561}"/>
               </a:ext>
             </a:extLst>
           </p:cNvPr>
@@ -8538,7 +9359,7 @@
           <p:cNvPr id="17" name="TextBox 16">
             <a:extLst>
               <a:ext uri="{FF2B5EF4-FFF2-40B4-BE49-F238E27FC236}">
-                <a16:creationId xmlns:a16="http://schemas.microsoft.com/office/drawing/2014/main" id="{E80862FD-DB4C-48E9-92C2-F165C6B7F2C2}"/>
+                <a16:creationId xmlns:a16="http://schemas.microsoft.com/office/drawing/2014/main" xmlns="" id="{E80862FD-DB4C-48E9-92C2-F165C6B7F2C2}"/>
               </a:ext>
             </a:extLst>
           </p:cNvPr>
@@ -8603,7 +9424,7 @@
           <p:cNvPr id="2" name="Title 1">
             <a:extLst>
               <a:ext uri="{FF2B5EF4-FFF2-40B4-BE49-F238E27FC236}">
-                <a16:creationId xmlns:a16="http://schemas.microsoft.com/office/drawing/2014/main" id="{D4FE7ECF-D558-4327-B8CF-24C986C1325E}"/>
+                <a16:creationId xmlns:a16="http://schemas.microsoft.com/office/drawing/2014/main" xmlns="" id="{D4FE7ECF-D558-4327-B8CF-24C986C1325E}"/>
               </a:ext>
             </a:extLst>
           </p:cNvPr>
@@ -8638,7 +9459,7 @@
           <p:cNvPr id="4" name="Picture 3">
             <a:extLst>
               <a:ext uri="{FF2B5EF4-FFF2-40B4-BE49-F238E27FC236}">
-                <a16:creationId xmlns:a16="http://schemas.microsoft.com/office/drawing/2014/main" id="{D7603F86-4576-46CE-A052-DAA26424A531}"/>
+                <a16:creationId xmlns:a16="http://schemas.microsoft.com/office/drawing/2014/main" xmlns="" id="{D7603F86-4576-46CE-A052-DAA26424A531}"/>
               </a:ext>
             </a:extLst>
           </p:cNvPr>
@@ -8674,7 +9495,7 @@
           <p:cNvPr id="11" name="Title 1">
             <a:extLst>
               <a:ext uri="{FF2B5EF4-FFF2-40B4-BE49-F238E27FC236}">
-                <a16:creationId xmlns:a16="http://schemas.microsoft.com/office/drawing/2014/main" id="{8B928B69-4A41-45E7-A81A-387B28662721}"/>
+                <a16:creationId xmlns:a16="http://schemas.microsoft.com/office/drawing/2014/main" xmlns="" id="{8B928B69-4A41-45E7-A81A-387B28662721}"/>
               </a:ext>
             </a:extLst>
           </p:cNvPr>
@@ -8694,7 +9515,7 @@
         </p:spPr>
         <p:txBody>
           <a:bodyPr vert="horz" lIns="109728" tIns="109728" rIns="109728" bIns="91440" rtlCol="0" anchor="ctr">
-            <a:normAutofit fontScale="90000"/>
+            <a:normAutofit fontScale="90000" lnSpcReduction="20000"/>
           </a:bodyPr>
           <a:lstStyle>
             <a:lvl1pPr algn="l" defTabSz="914400" rtl="0" eaLnBrk="1" latinLnBrk="0" hangingPunct="1">
@@ -8731,7 +9552,7 @@
           <p:cNvPr id="12" name="TextBox 11">
             <a:extLst>
               <a:ext uri="{FF2B5EF4-FFF2-40B4-BE49-F238E27FC236}">
-                <a16:creationId xmlns:a16="http://schemas.microsoft.com/office/drawing/2014/main" id="{89BC5098-6203-4ED5-9B4B-E7D9664596A9}"/>
+                <a16:creationId xmlns:a16="http://schemas.microsoft.com/office/drawing/2014/main" xmlns="" id="{89BC5098-6203-4ED5-9B4B-E7D9664596A9}"/>
               </a:ext>
             </a:extLst>
           </p:cNvPr>
@@ -8784,7 +9605,7 @@
           <p:cNvPr id="13" name="TextBox 12">
             <a:extLst>
               <a:ext uri="{FF2B5EF4-FFF2-40B4-BE49-F238E27FC236}">
-                <a16:creationId xmlns:a16="http://schemas.microsoft.com/office/drawing/2014/main" id="{2F89263C-8BB4-4E54-BD5B-578511DDC23E}"/>
+                <a16:creationId xmlns:a16="http://schemas.microsoft.com/office/drawing/2014/main" xmlns="" id="{2F89263C-8BB4-4E54-BD5B-578511DDC23E}"/>
               </a:ext>
             </a:extLst>
           </p:cNvPr>
@@ -8857,7 +9678,7 @@
           <p:cNvPr id="2" name="Title 1">
             <a:extLst>
               <a:ext uri="{FF2B5EF4-FFF2-40B4-BE49-F238E27FC236}">
-                <a16:creationId xmlns:a16="http://schemas.microsoft.com/office/drawing/2014/main" id="{077BA90A-F185-4424-9403-B0ABF65F72AE}"/>
+                <a16:creationId xmlns:a16="http://schemas.microsoft.com/office/drawing/2014/main" xmlns="" id="{077BA90A-F185-4424-9403-B0ABF65F72AE}"/>
               </a:ext>
             </a:extLst>
           </p:cNvPr>
@@ -8899,7 +9720,7 @@
           <p:cNvPr id="6" name="TextBox 5">
             <a:extLst>
               <a:ext uri="{FF2B5EF4-FFF2-40B4-BE49-F238E27FC236}">
-                <a16:creationId xmlns:a16="http://schemas.microsoft.com/office/drawing/2014/main" id="{54E17FA1-061F-48C7-A55E-33E6270B0511}"/>
+                <a16:creationId xmlns:a16="http://schemas.microsoft.com/office/drawing/2014/main" xmlns="" id="{54E17FA1-061F-48C7-A55E-33E6270B0511}"/>
               </a:ext>
             </a:extLst>
           </p:cNvPr>
@@ -8934,7 +9755,7 @@
           <p:cNvPr id="7" name="TextBox 6">
             <a:extLst>
               <a:ext uri="{FF2B5EF4-FFF2-40B4-BE49-F238E27FC236}">
-                <a16:creationId xmlns:a16="http://schemas.microsoft.com/office/drawing/2014/main" id="{75A730AB-4E80-4A2A-811E-72E5ACBDAF12}"/>
+                <a16:creationId xmlns:a16="http://schemas.microsoft.com/office/drawing/2014/main" xmlns="" id="{75A730AB-4E80-4A2A-811E-72E5ACBDAF12}"/>
               </a:ext>
             </a:extLst>
           </p:cNvPr>
@@ -8969,7 +9790,7 @@
           <p:cNvPr id="4" name="Picture 3">
             <a:extLst>
               <a:ext uri="{FF2B5EF4-FFF2-40B4-BE49-F238E27FC236}">
-                <a16:creationId xmlns:a16="http://schemas.microsoft.com/office/drawing/2014/main" id="{AE454918-22AD-44B4-A0CD-5D5A32A768C4}"/>
+                <a16:creationId xmlns:a16="http://schemas.microsoft.com/office/drawing/2014/main" xmlns="" id="{AE454918-22AD-44B4-A0CD-5D5A32A768C4}"/>
               </a:ext>
             </a:extLst>
           </p:cNvPr>
